--- a/04 Pyspark Data Frames/04-Pyspark Data Frames.pptx
+++ b/04 Pyspark Data Frames/04-Pyspark Data Frames.pptx
@@ -66,12 +66,12 @@
   <pc:docChgLst>
     <pc:chgData name="António Gonçalves" userId="78fffafe-1b89-4629-a5b6-2aadb2b26810" providerId="ADAL" clId="{CAAE18AF-F298-F746-BA7A-64022333C13A}"/>
     <pc:docChg chg="undo custSel addSld delSld modSld">
-      <pc:chgData name="António Gonçalves" userId="78fffafe-1b89-4629-a5b6-2aadb2b26810" providerId="ADAL" clId="{CAAE18AF-F298-F746-BA7A-64022333C13A}" dt="2022-11-11T09:35:21.174" v="135" actId="478"/>
+      <pc:chgData name="António Gonçalves" userId="78fffafe-1b89-4629-a5b6-2aadb2b26810" providerId="ADAL" clId="{CAAE18AF-F298-F746-BA7A-64022333C13A}" dt="2022-11-21T22:28:13.313" v="137" actId="478"/>
       <pc:docMkLst>
         <pc:docMk/>
       </pc:docMkLst>
       <pc:sldChg chg="delSp modSp mod">
-        <pc:chgData name="António Gonçalves" userId="78fffafe-1b89-4629-a5b6-2aadb2b26810" providerId="ADAL" clId="{CAAE18AF-F298-F746-BA7A-64022333C13A}" dt="2022-11-11T09:35:03.198" v="134" actId="20577"/>
+        <pc:chgData name="António Gonçalves" userId="78fffafe-1b89-4629-a5b6-2aadb2b26810" providerId="ADAL" clId="{CAAE18AF-F298-F746-BA7A-64022333C13A}" dt="2022-11-21T22:28:01.368" v="136" actId="478"/>
         <pc:sldMkLst>
           <pc:docMk/>
           <pc:sldMk cId="0" sldId="256"/>
@@ -108,6 +108,14 @@
             <ac:spMk id="9" creationId="{00000000-0000-0000-0000-000000000000}"/>
           </ac:spMkLst>
         </pc:spChg>
+        <pc:grpChg chg="del">
+          <ac:chgData name="António Gonçalves" userId="78fffafe-1b89-4629-a5b6-2aadb2b26810" providerId="ADAL" clId="{CAAE18AF-F298-F746-BA7A-64022333C13A}" dt="2022-11-21T22:28:01.368" v="136" actId="478"/>
+          <ac:grpSpMkLst>
+            <pc:docMk/>
+            <pc:sldMk cId="0" sldId="256"/>
+            <ac:grpSpMk id="3" creationId="{00000000-0000-0000-0000-000000000000}"/>
+          </ac:grpSpMkLst>
+        </pc:grpChg>
       </pc:sldChg>
       <pc:sldChg chg="delSp mod">
         <pc:chgData name="António Gonçalves" userId="78fffafe-1b89-4629-a5b6-2aadb2b26810" providerId="ADAL" clId="{CAAE18AF-F298-F746-BA7A-64022333C13A}" dt="2022-11-09T19:46:36.296" v="5" actId="478"/>
@@ -272,7 +280,7 @@
         </pc:sldMkLst>
       </pc:sldChg>
       <pc:sldChg chg="delSp mod">
-        <pc:chgData name="António Gonçalves" userId="78fffafe-1b89-4629-a5b6-2aadb2b26810" providerId="ADAL" clId="{CAAE18AF-F298-F746-BA7A-64022333C13A}" dt="2022-11-10T08:25:28.949" v="22" actId="478"/>
+        <pc:chgData name="António Gonçalves" userId="78fffafe-1b89-4629-a5b6-2aadb2b26810" providerId="ADAL" clId="{CAAE18AF-F298-F746-BA7A-64022333C13A}" dt="2022-11-21T22:28:13.313" v="137" actId="478"/>
         <pc:sldMkLst>
           <pc:docMk/>
           <pc:sldMk cId="0" sldId="263"/>
@@ -301,6 +309,14 @@
             <ac:spMk id="9" creationId="{00000000-0000-0000-0000-000000000000}"/>
           </ac:spMkLst>
         </pc:spChg>
+        <pc:grpChg chg="del">
+          <ac:chgData name="António Gonçalves" userId="78fffafe-1b89-4629-a5b6-2aadb2b26810" providerId="ADAL" clId="{CAAE18AF-F298-F746-BA7A-64022333C13A}" dt="2022-11-21T22:28:13.313" v="137" actId="478"/>
+          <ac:grpSpMkLst>
+            <pc:docMk/>
+            <pc:sldMk cId="0" sldId="263"/>
+            <ac:grpSpMk id="3" creationId="{00000000-0000-0000-0000-000000000000}"/>
+          </ac:grpSpMkLst>
+        </pc:grpChg>
       </pc:sldChg>
       <pc:sldChg chg="delSp modSp mod">
         <pc:chgData name="António Gonçalves" userId="78fffafe-1b89-4629-a5b6-2aadb2b26810" providerId="ADAL" clId="{CAAE18AF-F298-F746-BA7A-64022333C13A}" dt="2022-11-10T08:25:58.989" v="43" actId="20577"/>
@@ -1253,7 +1269,7 @@
           <a:p>
             <a:fld id="{1D8BD707-D9CF-40AE-B4C6-C98DA3205C09}" type="datetimeFigureOut">
               <a:rPr lang="en-US"/>
-              <a:t>11/11/22</a:t>
+              <a:t>11/21/22</a:t>
             </a:fld>
             <a:endParaRPr lang="en-US"/>
           </a:p>
@@ -1462,7 +1478,7 @@
           <a:p>
             <a:fld id="{1D8BD707-D9CF-40AE-B4C6-C98DA3205C09}" type="datetimeFigureOut">
               <a:rPr lang="en-US"/>
-              <a:t>11/11/22</a:t>
+              <a:t>11/21/22</a:t>
             </a:fld>
             <a:endParaRPr lang="en-US"/>
           </a:p>
@@ -1708,7 +1724,7 @@
           <a:p>
             <a:fld id="{1D8BD707-D9CF-40AE-B4C6-C98DA3205C09}" type="datetimeFigureOut">
               <a:rPr lang="en-US"/>
-              <a:t>11/11/22</a:t>
+              <a:t>11/21/22</a:t>
             </a:fld>
             <a:endParaRPr lang="en-US"/>
           </a:p>
@@ -1896,7 +1912,7 @@
           <a:p>
             <a:fld id="{1D8BD707-D9CF-40AE-B4C6-C98DA3205C09}" type="datetimeFigureOut">
               <a:rPr lang="en-US"/>
-              <a:t>11/11/22</a:t>
+              <a:t>11/21/22</a:t>
             </a:fld>
             <a:endParaRPr lang="en-US"/>
           </a:p>
@@ -2047,7 +2063,7 @@
           <a:p>
             <a:fld id="{1D8BD707-D9CF-40AE-B4C6-C98DA3205C09}" type="datetimeFigureOut">
               <a:rPr lang="en-US"/>
-              <a:t>11/11/22</a:t>
+              <a:t>11/21/22</a:t>
             </a:fld>
             <a:endParaRPr lang="en-US"/>
           </a:p>
@@ -2354,7 +2370,7 @@
           <a:p>
             <a:fld id="{1D8BD707-D9CF-40AE-B4C6-C98DA3205C09}" type="datetimeFigureOut">
               <a:rPr lang="en-US"/>
-              <a:t>11/11/22</a:t>
+              <a:t>11/21/22</a:t>
             </a:fld>
             <a:endParaRPr lang="en-US"/>
           </a:p>
@@ -2659,643 +2675,6 @@
           </a:p>
         </p:txBody>
       </p:sp>
-      <p:grpSp>
-        <p:nvGrpSpPr>
-          <p:cNvPr id="3" name="object 3"/>
-          <p:cNvGrpSpPr/>
-          <p:nvPr/>
-        </p:nvGrpSpPr>
-        <p:grpSpPr>
-          <a:xfrm>
-            <a:off x="7287459" y="5404183"/>
-            <a:ext cx="982980" cy="982980"/>
-            <a:chOff x="7287459" y="5404183"/>
-            <a:chExt cx="982980" cy="982980"/>
-          </a:xfrm>
-        </p:grpSpPr>
-        <p:sp>
-          <p:nvSpPr>
-            <p:cNvPr id="4" name="object 4"/>
-            <p:cNvSpPr/>
-            <p:nvPr/>
-          </p:nvSpPr>
-          <p:spPr>
-            <a:xfrm>
-              <a:off x="7287459" y="5404183"/>
-              <a:ext cx="982980" cy="982980"/>
-            </a:xfrm>
-            <a:custGeom>
-              <a:avLst/>
-              <a:gdLst/>
-              <a:ahLst/>
-              <a:cxnLst/>
-              <a:rect l="l" t="t" r="r" b="b"/>
-              <a:pathLst>
-                <a:path w="982979" h="982979">
-                  <a:moveTo>
-                    <a:pt x="491289" y="982578"/>
-                  </a:moveTo>
-                  <a:lnTo>
-                    <a:pt x="443134" y="980213"/>
-                  </a:lnTo>
-                  <a:lnTo>
-                    <a:pt x="395443" y="973138"/>
-                  </a:lnTo>
-                  <a:lnTo>
-                    <a:pt x="348675" y="961423"/>
-                  </a:lnTo>
-                  <a:lnTo>
-                    <a:pt x="303281" y="945181"/>
-                  </a:lnTo>
-                  <a:lnTo>
-                    <a:pt x="259697" y="924568"/>
-                  </a:lnTo>
-                  <a:lnTo>
-                    <a:pt x="218343" y="899781"/>
-                  </a:lnTo>
-                  <a:lnTo>
-                    <a:pt x="179618" y="871061"/>
-                  </a:lnTo>
-                  <a:lnTo>
-                    <a:pt x="143895" y="838683"/>
-                  </a:lnTo>
-                  <a:lnTo>
-                    <a:pt x="111517" y="802960"/>
-                  </a:lnTo>
-                  <a:lnTo>
-                    <a:pt x="82797" y="764235"/>
-                  </a:lnTo>
-                  <a:lnTo>
-                    <a:pt x="58010" y="722881"/>
-                  </a:lnTo>
-                  <a:lnTo>
-                    <a:pt x="37397" y="679297"/>
-                  </a:lnTo>
-                  <a:lnTo>
-                    <a:pt x="21154" y="633903"/>
-                  </a:lnTo>
-                  <a:lnTo>
-                    <a:pt x="9439" y="587135"/>
-                  </a:lnTo>
-                  <a:lnTo>
-                    <a:pt x="2365" y="539444"/>
-                  </a:lnTo>
-                  <a:lnTo>
-                    <a:pt x="0" y="491289"/>
-                  </a:lnTo>
-                  <a:lnTo>
-                    <a:pt x="591" y="467182"/>
-                  </a:lnTo>
-                  <a:lnTo>
-                    <a:pt x="5317" y="419202"/>
-                  </a:lnTo>
-                  <a:lnTo>
-                    <a:pt x="14722" y="371915"/>
-                  </a:lnTo>
-                  <a:lnTo>
-                    <a:pt x="28718" y="325778"/>
-                  </a:lnTo>
-                  <a:lnTo>
-                    <a:pt x="47168" y="281235"/>
-                  </a:lnTo>
-                  <a:lnTo>
-                    <a:pt x="69896" y="238716"/>
-                  </a:lnTo>
-                  <a:lnTo>
-                    <a:pt x="96681" y="198628"/>
-                  </a:lnTo>
-                  <a:lnTo>
-                    <a:pt x="127267" y="161359"/>
-                  </a:lnTo>
-                  <a:lnTo>
-                    <a:pt x="161359" y="127267"/>
-                  </a:lnTo>
-                  <a:lnTo>
-                    <a:pt x="198628" y="96681"/>
-                  </a:lnTo>
-                  <a:lnTo>
-                    <a:pt x="238716" y="69896"/>
-                  </a:lnTo>
-                  <a:lnTo>
-                    <a:pt x="281235" y="47168"/>
-                  </a:lnTo>
-                  <a:lnTo>
-                    <a:pt x="325778" y="28718"/>
-                  </a:lnTo>
-                  <a:lnTo>
-                    <a:pt x="371915" y="14722"/>
-                  </a:lnTo>
-                  <a:lnTo>
-                    <a:pt x="419202" y="5317"/>
-                  </a:lnTo>
-                  <a:lnTo>
-                    <a:pt x="467182" y="591"/>
-                  </a:lnTo>
-                  <a:lnTo>
-                    <a:pt x="491289" y="0"/>
-                  </a:lnTo>
-                  <a:lnTo>
-                    <a:pt x="515395" y="591"/>
-                  </a:lnTo>
-                  <a:lnTo>
-                    <a:pt x="563376" y="5317"/>
-                  </a:lnTo>
-                  <a:lnTo>
-                    <a:pt x="610663" y="14722"/>
-                  </a:lnTo>
-                  <a:lnTo>
-                    <a:pt x="656799" y="28718"/>
-                  </a:lnTo>
-                  <a:lnTo>
-                    <a:pt x="701342" y="47168"/>
-                  </a:lnTo>
-                  <a:lnTo>
-                    <a:pt x="743862" y="69896"/>
-                  </a:lnTo>
-                  <a:lnTo>
-                    <a:pt x="783950" y="96681"/>
-                  </a:lnTo>
-                  <a:lnTo>
-                    <a:pt x="821219" y="127267"/>
-                  </a:lnTo>
-                  <a:lnTo>
-                    <a:pt x="855311" y="161359"/>
-                  </a:lnTo>
-                  <a:lnTo>
-                    <a:pt x="885896" y="198628"/>
-                  </a:lnTo>
-                  <a:lnTo>
-                    <a:pt x="912682" y="238716"/>
-                  </a:lnTo>
-                  <a:lnTo>
-                    <a:pt x="935410" y="281235"/>
-                  </a:lnTo>
-                  <a:lnTo>
-                    <a:pt x="953860" y="325778"/>
-                  </a:lnTo>
-                  <a:lnTo>
-                    <a:pt x="967855" y="371915"/>
-                  </a:lnTo>
-                  <a:lnTo>
-                    <a:pt x="977261" y="419202"/>
-                  </a:lnTo>
-                  <a:lnTo>
-                    <a:pt x="981987" y="467182"/>
-                  </a:lnTo>
-                  <a:lnTo>
-                    <a:pt x="982578" y="491289"/>
-                  </a:lnTo>
-                  <a:lnTo>
-                    <a:pt x="981987" y="515395"/>
-                  </a:lnTo>
-                  <a:lnTo>
-                    <a:pt x="977261" y="563376"/>
-                  </a:lnTo>
-                  <a:lnTo>
-                    <a:pt x="967855" y="610663"/>
-                  </a:lnTo>
-                  <a:lnTo>
-                    <a:pt x="953860" y="656799"/>
-                  </a:lnTo>
-                  <a:lnTo>
-                    <a:pt x="935410" y="701342"/>
-                  </a:lnTo>
-                  <a:lnTo>
-                    <a:pt x="912682" y="743862"/>
-                  </a:lnTo>
-                  <a:lnTo>
-                    <a:pt x="885897" y="783950"/>
-                  </a:lnTo>
-                  <a:lnTo>
-                    <a:pt x="855311" y="821219"/>
-                  </a:lnTo>
-                  <a:lnTo>
-                    <a:pt x="821219" y="855311"/>
-                  </a:lnTo>
-                  <a:lnTo>
-                    <a:pt x="783950" y="885896"/>
-                  </a:lnTo>
-                  <a:lnTo>
-                    <a:pt x="743862" y="912682"/>
-                  </a:lnTo>
-                  <a:lnTo>
-                    <a:pt x="701342" y="935410"/>
-                  </a:lnTo>
-                  <a:lnTo>
-                    <a:pt x="656799" y="953860"/>
-                  </a:lnTo>
-                  <a:lnTo>
-                    <a:pt x="610663" y="967855"/>
-                  </a:lnTo>
-                  <a:lnTo>
-                    <a:pt x="563376" y="977261"/>
-                  </a:lnTo>
-                  <a:lnTo>
-                    <a:pt x="515395" y="981987"/>
-                  </a:lnTo>
-                  <a:lnTo>
-                    <a:pt x="491289" y="982578"/>
-                  </a:lnTo>
-                  <a:close/>
-                </a:path>
-              </a:pathLst>
-            </a:custGeom>
-            <a:solidFill>
-              <a:srgbClr val="04182D"/>
-            </a:solidFill>
-          </p:spPr>
-          <p:txBody>
-            <a:bodyPr wrap="square" lIns="0" tIns="0" rIns="0" bIns="0" rtlCol="0"/>
-            <a:lstStyle/>
-            <a:p>
-              <a:endParaRPr/>
-            </a:p>
-          </p:txBody>
-        </p:sp>
-        <p:sp>
-          <p:nvSpPr>
-            <p:cNvPr id="5" name="object 5"/>
-            <p:cNvSpPr/>
-            <p:nvPr/>
-          </p:nvSpPr>
-          <p:spPr>
-            <a:xfrm>
-              <a:off x="7522163" y="5638833"/>
-              <a:ext cx="513715" cy="513715"/>
-            </a:xfrm>
-            <a:custGeom>
-              <a:avLst/>
-              <a:gdLst/>
-              <a:ahLst/>
-              <a:cxnLst/>
-              <a:rect l="l" t="t" r="r" b="b"/>
-              <a:pathLst>
-                <a:path w="513715" h="513714">
-                  <a:moveTo>
-                    <a:pt x="117428" y="381294"/>
-                  </a:moveTo>
-                  <a:lnTo>
-                    <a:pt x="74714" y="381294"/>
-                  </a:lnTo>
-                  <a:lnTo>
-                    <a:pt x="50407" y="376670"/>
-                  </a:lnTo>
-                  <a:lnTo>
-                    <a:pt x="17654" y="344031"/>
-                  </a:lnTo>
-                  <a:lnTo>
-                    <a:pt x="2057" y="285327"/>
-                  </a:lnTo>
-                  <a:lnTo>
-                    <a:pt x="0" y="254879"/>
-                  </a:lnTo>
-                  <a:lnTo>
-                    <a:pt x="2201" y="226301"/>
-                  </a:lnTo>
-                  <a:lnTo>
-                    <a:pt x="19909" y="166879"/>
-                  </a:lnTo>
-                  <a:lnTo>
-                    <a:pt x="60328" y="135494"/>
-                  </a:lnTo>
-                  <a:lnTo>
-                    <a:pt x="86296" y="131497"/>
-                  </a:lnTo>
-                  <a:lnTo>
-                    <a:pt x="257156" y="131497"/>
-                  </a:lnTo>
-                  <a:lnTo>
-                    <a:pt x="257156" y="115867"/>
-                  </a:lnTo>
-                  <a:lnTo>
-                    <a:pt x="132921" y="115867"/>
-                  </a:lnTo>
-                  <a:lnTo>
-                    <a:pt x="132921" y="68973"/>
-                  </a:lnTo>
-                  <a:lnTo>
-                    <a:pt x="144264" y="27132"/>
-                  </a:lnTo>
-                  <a:lnTo>
-                    <a:pt x="195043" y="5018"/>
-                  </a:lnTo>
-                  <a:lnTo>
-                    <a:pt x="238677" y="386"/>
-                  </a:lnTo>
-                  <a:lnTo>
-                    <a:pt x="254403" y="0"/>
-                  </a:lnTo>
-                  <a:lnTo>
-                    <a:pt x="270474" y="246"/>
-                  </a:lnTo>
-                  <a:lnTo>
-                    <a:pt x="319129" y="5019"/>
-                  </a:lnTo>
-                  <a:lnTo>
-                    <a:pt x="362826" y="26581"/>
-                  </a:lnTo>
-                  <a:lnTo>
-                    <a:pt x="375075" y="43991"/>
-                  </a:lnTo>
-                  <a:lnTo>
-                    <a:pt x="186925" y="43991"/>
-                  </a:lnTo>
-                  <a:lnTo>
-                    <a:pt x="176932" y="46017"/>
-                  </a:lnTo>
-                  <a:lnTo>
-                    <a:pt x="168775" y="51538"/>
-                  </a:lnTo>
-                  <a:lnTo>
-                    <a:pt x="163276" y="59722"/>
-                  </a:lnTo>
-                  <a:lnTo>
-                    <a:pt x="161260" y="69732"/>
-                  </a:lnTo>
-                  <a:lnTo>
-                    <a:pt x="163276" y="79698"/>
-                  </a:lnTo>
-                  <a:lnTo>
-                    <a:pt x="168775" y="87831"/>
-                  </a:lnTo>
-                  <a:lnTo>
-                    <a:pt x="176932" y="93311"/>
-                  </a:lnTo>
-                  <a:lnTo>
-                    <a:pt x="186925" y="95320"/>
-                  </a:lnTo>
-                  <a:lnTo>
-                    <a:pt x="381241" y="95320"/>
-                  </a:lnTo>
-                  <a:lnTo>
-                    <a:pt x="381226" y="186200"/>
-                  </a:lnTo>
-                  <a:lnTo>
-                    <a:pt x="376393" y="210390"/>
-                  </a:lnTo>
-                  <a:lnTo>
-                    <a:pt x="363136" y="230271"/>
-                  </a:lnTo>
-                  <a:lnTo>
-                    <a:pt x="343404" y="243709"/>
-                  </a:lnTo>
-                  <a:lnTo>
-                    <a:pt x="319126" y="248647"/>
-                  </a:lnTo>
-                  <a:lnTo>
-                    <a:pt x="195036" y="248647"/>
-                  </a:lnTo>
-                  <a:lnTo>
-                    <a:pt x="165136" y="254879"/>
-                  </a:lnTo>
-                  <a:lnTo>
-                    <a:pt x="140433" y="271635"/>
-                  </a:lnTo>
-                  <a:lnTo>
-                    <a:pt x="123630" y="296005"/>
-                  </a:lnTo>
-                  <a:lnTo>
-                    <a:pt x="117428" y="325078"/>
-                  </a:lnTo>
-                  <a:lnTo>
-                    <a:pt x="117428" y="381294"/>
-                  </a:lnTo>
-                  <a:close/>
-                </a:path>
-                <a:path w="513715" h="513714">
-                  <a:moveTo>
-                    <a:pt x="381241" y="95320"/>
-                  </a:moveTo>
-                  <a:lnTo>
-                    <a:pt x="186925" y="95320"/>
-                  </a:lnTo>
-                  <a:lnTo>
-                    <a:pt x="196894" y="93311"/>
-                  </a:lnTo>
-                  <a:lnTo>
-                    <a:pt x="205054" y="87831"/>
-                  </a:lnTo>
-                  <a:lnTo>
-                    <a:pt x="210565" y="79698"/>
-                  </a:lnTo>
-                  <a:lnTo>
-                    <a:pt x="212589" y="69732"/>
-                  </a:lnTo>
-                  <a:lnTo>
-                    <a:pt x="210565" y="59722"/>
-                  </a:lnTo>
-                  <a:lnTo>
-                    <a:pt x="205054" y="51538"/>
-                  </a:lnTo>
-                  <a:lnTo>
-                    <a:pt x="196894" y="46017"/>
-                  </a:lnTo>
-                  <a:lnTo>
-                    <a:pt x="186925" y="43991"/>
-                  </a:lnTo>
-                  <a:lnTo>
-                    <a:pt x="375075" y="43991"/>
-                  </a:lnTo>
-                  <a:lnTo>
-                    <a:pt x="376276" y="45698"/>
-                  </a:lnTo>
-                  <a:lnTo>
-                    <a:pt x="381241" y="68973"/>
-                  </a:lnTo>
-                  <a:lnTo>
-                    <a:pt x="381241" y="95320"/>
-                  </a:lnTo>
-                  <a:close/>
-                </a:path>
-                <a:path w="513715" h="513714">
-                  <a:moveTo>
-                    <a:pt x="252945" y="513267"/>
-                  </a:moveTo>
-                  <a:lnTo>
-                    <a:pt x="193919" y="503970"/>
-                  </a:lnTo>
-                  <a:lnTo>
-                    <a:pt x="150634" y="481799"/>
-                  </a:lnTo>
-                  <a:lnTo>
-                    <a:pt x="131930" y="441929"/>
-                  </a:lnTo>
-                  <a:lnTo>
-                    <a:pt x="132050" y="325078"/>
-                  </a:lnTo>
-                  <a:lnTo>
-                    <a:pt x="136845" y="301852"/>
-                  </a:lnTo>
-                  <a:lnTo>
-                    <a:pt x="150204" y="282092"/>
-                  </a:lnTo>
-                  <a:lnTo>
-                    <a:pt x="169923" y="268604"/>
-                  </a:lnTo>
-                  <a:lnTo>
-                    <a:pt x="193919" y="263613"/>
-                  </a:lnTo>
-                  <a:lnTo>
-                    <a:pt x="317758" y="263613"/>
-                  </a:lnTo>
-                  <a:lnTo>
-                    <a:pt x="347268" y="257429"/>
-                  </a:lnTo>
-                  <a:lnTo>
-                    <a:pt x="371956" y="240672"/>
-                  </a:lnTo>
-                  <a:lnTo>
-                    <a:pt x="388908" y="216032"/>
-                  </a:lnTo>
-                  <a:lnTo>
-                    <a:pt x="395207" y="186200"/>
-                  </a:lnTo>
-                  <a:lnTo>
-                    <a:pt x="395207" y="131983"/>
-                  </a:lnTo>
-                  <a:lnTo>
-                    <a:pt x="441734" y="131983"/>
-                  </a:lnTo>
-                  <a:lnTo>
-                    <a:pt x="482921" y="149689"/>
-                  </a:lnTo>
-                  <a:lnTo>
-                    <a:pt x="503726" y="193887"/>
-                  </a:lnTo>
-                  <a:lnTo>
-                    <a:pt x="513228" y="259988"/>
-                  </a:lnTo>
-                  <a:lnTo>
-                    <a:pt x="510929" y="289354"/>
-                  </a:lnTo>
-                  <a:lnTo>
-                    <a:pt x="493822" y="343327"/>
-                  </a:lnTo>
-                  <a:lnTo>
-                    <a:pt x="464860" y="375435"/>
-                  </a:lnTo>
-                  <a:lnTo>
-                    <a:pt x="441734" y="379882"/>
-                  </a:lnTo>
-                  <a:lnTo>
-                    <a:pt x="255912" y="379882"/>
-                  </a:lnTo>
-                  <a:lnTo>
-                    <a:pt x="255912" y="395391"/>
-                  </a:lnTo>
-                  <a:lnTo>
-                    <a:pt x="379746" y="395391"/>
-                  </a:lnTo>
-                  <a:lnTo>
-                    <a:pt x="379746" y="417958"/>
-                  </a:lnTo>
-                  <a:lnTo>
-                    <a:pt x="311579" y="417958"/>
-                  </a:lnTo>
-                  <a:lnTo>
-                    <a:pt x="301609" y="419965"/>
-                  </a:lnTo>
-                  <a:lnTo>
-                    <a:pt x="293449" y="425443"/>
-                  </a:lnTo>
-                  <a:lnTo>
-                    <a:pt x="287939" y="433574"/>
-                  </a:lnTo>
-                  <a:lnTo>
-                    <a:pt x="285916" y="443539"/>
-                  </a:lnTo>
-                  <a:lnTo>
-                    <a:pt x="287939" y="453551"/>
-                  </a:lnTo>
-                  <a:lnTo>
-                    <a:pt x="293450" y="461736"/>
-                  </a:lnTo>
-                  <a:lnTo>
-                    <a:pt x="301610" y="467260"/>
-                  </a:lnTo>
-                  <a:lnTo>
-                    <a:pt x="311579" y="469286"/>
-                  </a:lnTo>
-                  <a:lnTo>
-                    <a:pt x="371227" y="469286"/>
-                  </a:lnTo>
-                  <a:lnTo>
-                    <a:pt x="360456" y="482826"/>
-                  </a:lnTo>
-                  <a:lnTo>
-                    <a:pt x="340610" y="495478"/>
-                  </a:lnTo>
-                  <a:lnTo>
-                    <a:pt x="317757" y="503970"/>
-                  </a:lnTo>
-                  <a:lnTo>
-                    <a:pt x="284115" y="511232"/>
-                  </a:lnTo>
-                  <a:lnTo>
-                    <a:pt x="252945" y="513267"/>
-                  </a:lnTo>
-                  <a:close/>
-                </a:path>
-                <a:path w="513715" h="513714">
-                  <a:moveTo>
-                    <a:pt x="371227" y="469286"/>
-                  </a:moveTo>
-                  <a:lnTo>
-                    <a:pt x="311579" y="469286"/>
-                  </a:lnTo>
-                  <a:lnTo>
-                    <a:pt x="321571" y="467260"/>
-                  </a:lnTo>
-                  <a:lnTo>
-                    <a:pt x="329729" y="461736"/>
-                  </a:lnTo>
-                  <a:lnTo>
-                    <a:pt x="335228" y="453551"/>
-                  </a:lnTo>
-                  <a:lnTo>
-                    <a:pt x="337245" y="443539"/>
-                  </a:lnTo>
-                  <a:lnTo>
-                    <a:pt x="335228" y="433574"/>
-                  </a:lnTo>
-                  <a:lnTo>
-                    <a:pt x="329729" y="425443"/>
-                  </a:lnTo>
-                  <a:lnTo>
-                    <a:pt x="321571" y="419965"/>
-                  </a:lnTo>
-                  <a:lnTo>
-                    <a:pt x="311579" y="417958"/>
-                  </a:lnTo>
-                  <a:lnTo>
-                    <a:pt x="379746" y="417958"/>
-                  </a:lnTo>
-                  <a:lnTo>
-                    <a:pt x="379746" y="441929"/>
-                  </a:lnTo>
-                  <a:lnTo>
-                    <a:pt x="374449" y="465235"/>
-                  </a:lnTo>
-                  <a:lnTo>
-                    <a:pt x="371227" y="469286"/>
-                  </a:lnTo>
-                  <a:close/>
-                </a:path>
-              </a:pathLst>
-            </a:custGeom>
-            <a:solidFill>
-              <a:srgbClr val="FFFFFF"/>
-            </a:solidFill>
-          </p:spPr>
-          <p:txBody>
-            <a:bodyPr wrap="square" lIns="0" tIns="0" rIns="0" bIns="0" rtlCol="0"/>
-            <a:lstStyle/>
-            <a:p>
-              <a:endParaRPr/>
-            </a:p>
-          </p:txBody>
-        </p:sp>
-      </p:grpSp>
       <p:sp>
         <p:nvSpPr>
           <p:cNvPr id="7" name="object 7"/>
@@ -40417,643 +39796,6 @@
           </a:p>
         </p:txBody>
       </p:sp>
-      <p:grpSp>
-        <p:nvGrpSpPr>
-          <p:cNvPr id="3" name="object 3"/>
-          <p:cNvGrpSpPr/>
-          <p:nvPr/>
-        </p:nvGrpSpPr>
-        <p:grpSpPr>
-          <a:xfrm>
-            <a:off x="7287459" y="5404183"/>
-            <a:ext cx="982980" cy="982980"/>
-            <a:chOff x="7287459" y="5404183"/>
-            <a:chExt cx="982980" cy="982980"/>
-          </a:xfrm>
-        </p:grpSpPr>
-        <p:sp>
-          <p:nvSpPr>
-            <p:cNvPr id="4" name="object 4"/>
-            <p:cNvSpPr/>
-            <p:nvPr/>
-          </p:nvSpPr>
-          <p:spPr>
-            <a:xfrm>
-              <a:off x="7287459" y="5404183"/>
-              <a:ext cx="982980" cy="982980"/>
-            </a:xfrm>
-            <a:custGeom>
-              <a:avLst/>
-              <a:gdLst/>
-              <a:ahLst/>
-              <a:cxnLst/>
-              <a:rect l="l" t="t" r="r" b="b"/>
-              <a:pathLst>
-                <a:path w="982979" h="982979">
-                  <a:moveTo>
-                    <a:pt x="491289" y="982578"/>
-                  </a:moveTo>
-                  <a:lnTo>
-                    <a:pt x="443134" y="980213"/>
-                  </a:lnTo>
-                  <a:lnTo>
-                    <a:pt x="395443" y="973138"/>
-                  </a:lnTo>
-                  <a:lnTo>
-                    <a:pt x="348675" y="961423"/>
-                  </a:lnTo>
-                  <a:lnTo>
-                    <a:pt x="303281" y="945181"/>
-                  </a:lnTo>
-                  <a:lnTo>
-                    <a:pt x="259697" y="924568"/>
-                  </a:lnTo>
-                  <a:lnTo>
-                    <a:pt x="218343" y="899781"/>
-                  </a:lnTo>
-                  <a:lnTo>
-                    <a:pt x="179618" y="871061"/>
-                  </a:lnTo>
-                  <a:lnTo>
-                    <a:pt x="143895" y="838683"/>
-                  </a:lnTo>
-                  <a:lnTo>
-                    <a:pt x="111517" y="802960"/>
-                  </a:lnTo>
-                  <a:lnTo>
-                    <a:pt x="82797" y="764235"/>
-                  </a:lnTo>
-                  <a:lnTo>
-                    <a:pt x="58010" y="722881"/>
-                  </a:lnTo>
-                  <a:lnTo>
-                    <a:pt x="37397" y="679297"/>
-                  </a:lnTo>
-                  <a:lnTo>
-                    <a:pt x="21154" y="633903"/>
-                  </a:lnTo>
-                  <a:lnTo>
-                    <a:pt x="9439" y="587135"/>
-                  </a:lnTo>
-                  <a:lnTo>
-                    <a:pt x="2365" y="539444"/>
-                  </a:lnTo>
-                  <a:lnTo>
-                    <a:pt x="0" y="491289"/>
-                  </a:lnTo>
-                  <a:lnTo>
-                    <a:pt x="591" y="467182"/>
-                  </a:lnTo>
-                  <a:lnTo>
-                    <a:pt x="5317" y="419202"/>
-                  </a:lnTo>
-                  <a:lnTo>
-                    <a:pt x="14722" y="371915"/>
-                  </a:lnTo>
-                  <a:lnTo>
-                    <a:pt x="28718" y="325778"/>
-                  </a:lnTo>
-                  <a:lnTo>
-                    <a:pt x="47168" y="281235"/>
-                  </a:lnTo>
-                  <a:lnTo>
-                    <a:pt x="69896" y="238716"/>
-                  </a:lnTo>
-                  <a:lnTo>
-                    <a:pt x="96681" y="198628"/>
-                  </a:lnTo>
-                  <a:lnTo>
-                    <a:pt x="127267" y="161359"/>
-                  </a:lnTo>
-                  <a:lnTo>
-                    <a:pt x="161359" y="127267"/>
-                  </a:lnTo>
-                  <a:lnTo>
-                    <a:pt x="198628" y="96681"/>
-                  </a:lnTo>
-                  <a:lnTo>
-                    <a:pt x="238716" y="69896"/>
-                  </a:lnTo>
-                  <a:lnTo>
-                    <a:pt x="281235" y="47168"/>
-                  </a:lnTo>
-                  <a:lnTo>
-                    <a:pt x="325778" y="28718"/>
-                  </a:lnTo>
-                  <a:lnTo>
-                    <a:pt x="371915" y="14722"/>
-                  </a:lnTo>
-                  <a:lnTo>
-                    <a:pt x="419202" y="5317"/>
-                  </a:lnTo>
-                  <a:lnTo>
-                    <a:pt x="467182" y="591"/>
-                  </a:lnTo>
-                  <a:lnTo>
-                    <a:pt x="491289" y="0"/>
-                  </a:lnTo>
-                  <a:lnTo>
-                    <a:pt x="515395" y="591"/>
-                  </a:lnTo>
-                  <a:lnTo>
-                    <a:pt x="563376" y="5317"/>
-                  </a:lnTo>
-                  <a:lnTo>
-                    <a:pt x="610663" y="14722"/>
-                  </a:lnTo>
-                  <a:lnTo>
-                    <a:pt x="656799" y="28718"/>
-                  </a:lnTo>
-                  <a:lnTo>
-                    <a:pt x="701342" y="47168"/>
-                  </a:lnTo>
-                  <a:lnTo>
-                    <a:pt x="743862" y="69896"/>
-                  </a:lnTo>
-                  <a:lnTo>
-                    <a:pt x="783950" y="96681"/>
-                  </a:lnTo>
-                  <a:lnTo>
-                    <a:pt x="821219" y="127267"/>
-                  </a:lnTo>
-                  <a:lnTo>
-                    <a:pt x="855311" y="161359"/>
-                  </a:lnTo>
-                  <a:lnTo>
-                    <a:pt x="885896" y="198628"/>
-                  </a:lnTo>
-                  <a:lnTo>
-                    <a:pt x="912682" y="238716"/>
-                  </a:lnTo>
-                  <a:lnTo>
-                    <a:pt x="935410" y="281235"/>
-                  </a:lnTo>
-                  <a:lnTo>
-                    <a:pt x="953860" y="325778"/>
-                  </a:lnTo>
-                  <a:lnTo>
-                    <a:pt x="967855" y="371915"/>
-                  </a:lnTo>
-                  <a:lnTo>
-                    <a:pt x="977261" y="419202"/>
-                  </a:lnTo>
-                  <a:lnTo>
-                    <a:pt x="981987" y="467182"/>
-                  </a:lnTo>
-                  <a:lnTo>
-                    <a:pt x="982578" y="491289"/>
-                  </a:lnTo>
-                  <a:lnTo>
-                    <a:pt x="981987" y="515395"/>
-                  </a:lnTo>
-                  <a:lnTo>
-                    <a:pt x="977261" y="563376"/>
-                  </a:lnTo>
-                  <a:lnTo>
-                    <a:pt x="967855" y="610663"/>
-                  </a:lnTo>
-                  <a:lnTo>
-                    <a:pt x="953860" y="656799"/>
-                  </a:lnTo>
-                  <a:lnTo>
-                    <a:pt x="935410" y="701342"/>
-                  </a:lnTo>
-                  <a:lnTo>
-                    <a:pt x="912682" y="743862"/>
-                  </a:lnTo>
-                  <a:lnTo>
-                    <a:pt x="885897" y="783950"/>
-                  </a:lnTo>
-                  <a:lnTo>
-                    <a:pt x="855311" y="821219"/>
-                  </a:lnTo>
-                  <a:lnTo>
-                    <a:pt x="821219" y="855311"/>
-                  </a:lnTo>
-                  <a:lnTo>
-                    <a:pt x="783950" y="885896"/>
-                  </a:lnTo>
-                  <a:lnTo>
-                    <a:pt x="743862" y="912682"/>
-                  </a:lnTo>
-                  <a:lnTo>
-                    <a:pt x="701342" y="935410"/>
-                  </a:lnTo>
-                  <a:lnTo>
-                    <a:pt x="656799" y="953860"/>
-                  </a:lnTo>
-                  <a:lnTo>
-                    <a:pt x="610663" y="967855"/>
-                  </a:lnTo>
-                  <a:lnTo>
-                    <a:pt x="563376" y="977261"/>
-                  </a:lnTo>
-                  <a:lnTo>
-                    <a:pt x="515395" y="981987"/>
-                  </a:lnTo>
-                  <a:lnTo>
-                    <a:pt x="491289" y="982578"/>
-                  </a:lnTo>
-                  <a:close/>
-                </a:path>
-              </a:pathLst>
-            </a:custGeom>
-            <a:solidFill>
-              <a:srgbClr val="04182D"/>
-            </a:solidFill>
-          </p:spPr>
-          <p:txBody>
-            <a:bodyPr wrap="square" lIns="0" tIns="0" rIns="0" bIns="0" rtlCol="0"/>
-            <a:lstStyle/>
-            <a:p>
-              <a:endParaRPr/>
-            </a:p>
-          </p:txBody>
-        </p:sp>
-        <p:sp>
-          <p:nvSpPr>
-            <p:cNvPr id="5" name="object 5"/>
-            <p:cNvSpPr/>
-            <p:nvPr/>
-          </p:nvSpPr>
-          <p:spPr>
-            <a:xfrm>
-              <a:off x="7522163" y="5638833"/>
-              <a:ext cx="513715" cy="513715"/>
-            </a:xfrm>
-            <a:custGeom>
-              <a:avLst/>
-              <a:gdLst/>
-              <a:ahLst/>
-              <a:cxnLst/>
-              <a:rect l="l" t="t" r="r" b="b"/>
-              <a:pathLst>
-                <a:path w="513715" h="513714">
-                  <a:moveTo>
-                    <a:pt x="117428" y="381294"/>
-                  </a:moveTo>
-                  <a:lnTo>
-                    <a:pt x="74714" y="381294"/>
-                  </a:lnTo>
-                  <a:lnTo>
-                    <a:pt x="50407" y="376670"/>
-                  </a:lnTo>
-                  <a:lnTo>
-                    <a:pt x="17654" y="344031"/>
-                  </a:lnTo>
-                  <a:lnTo>
-                    <a:pt x="2057" y="285327"/>
-                  </a:lnTo>
-                  <a:lnTo>
-                    <a:pt x="0" y="254879"/>
-                  </a:lnTo>
-                  <a:lnTo>
-                    <a:pt x="2201" y="226301"/>
-                  </a:lnTo>
-                  <a:lnTo>
-                    <a:pt x="19909" y="166879"/>
-                  </a:lnTo>
-                  <a:lnTo>
-                    <a:pt x="60328" y="135494"/>
-                  </a:lnTo>
-                  <a:lnTo>
-                    <a:pt x="86296" y="131497"/>
-                  </a:lnTo>
-                  <a:lnTo>
-                    <a:pt x="257156" y="131497"/>
-                  </a:lnTo>
-                  <a:lnTo>
-                    <a:pt x="257156" y="115867"/>
-                  </a:lnTo>
-                  <a:lnTo>
-                    <a:pt x="132921" y="115867"/>
-                  </a:lnTo>
-                  <a:lnTo>
-                    <a:pt x="132921" y="68973"/>
-                  </a:lnTo>
-                  <a:lnTo>
-                    <a:pt x="144264" y="27132"/>
-                  </a:lnTo>
-                  <a:lnTo>
-                    <a:pt x="195043" y="5018"/>
-                  </a:lnTo>
-                  <a:lnTo>
-                    <a:pt x="238677" y="386"/>
-                  </a:lnTo>
-                  <a:lnTo>
-                    <a:pt x="254403" y="0"/>
-                  </a:lnTo>
-                  <a:lnTo>
-                    <a:pt x="270474" y="246"/>
-                  </a:lnTo>
-                  <a:lnTo>
-                    <a:pt x="319129" y="5019"/>
-                  </a:lnTo>
-                  <a:lnTo>
-                    <a:pt x="362826" y="26581"/>
-                  </a:lnTo>
-                  <a:lnTo>
-                    <a:pt x="375075" y="43991"/>
-                  </a:lnTo>
-                  <a:lnTo>
-                    <a:pt x="186925" y="43991"/>
-                  </a:lnTo>
-                  <a:lnTo>
-                    <a:pt x="176932" y="46017"/>
-                  </a:lnTo>
-                  <a:lnTo>
-                    <a:pt x="168775" y="51538"/>
-                  </a:lnTo>
-                  <a:lnTo>
-                    <a:pt x="163276" y="59722"/>
-                  </a:lnTo>
-                  <a:lnTo>
-                    <a:pt x="161260" y="69732"/>
-                  </a:lnTo>
-                  <a:lnTo>
-                    <a:pt x="163276" y="79698"/>
-                  </a:lnTo>
-                  <a:lnTo>
-                    <a:pt x="168775" y="87831"/>
-                  </a:lnTo>
-                  <a:lnTo>
-                    <a:pt x="176932" y="93311"/>
-                  </a:lnTo>
-                  <a:lnTo>
-                    <a:pt x="186925" y="95320"/>
-                  </a:lnTo>
-                  <a:lnTo>
-                    <a:pt x="381241" y="95320"/>
-                  </a:lnTo>
-                  <a:lnTo>
-                    <a:pt x="381226" y="186200"/>
-                  </a:lnTo>
-                  <a:lnTo>
-                    <a:pt x="376393" y="210390"/>
-                  </a:lnTo>
-                  <a:lnTo>
-                    <a:pt x="363136" y="230271"/>
-                  </a:lnTo>
-                  <a:lnTo>
-                    <a:pt x="343404" y="243709"/>
-                  </a:lnTo>
-                  <a:lnTo>
-                    <a:pt x="319126" y="248647"/>
-                  </a:lnTo>
-                  <a:lnTo>
-                    <a:pt x="195036" y="248647"/>
-                  </a:lnTo>
-                  <a:lnTo>
-                    <a:pt x="165136" y="254879"/>
-                  </a:lnTo>
-                  <a:lnTo>
-                    <a:pt x="140433" y="271635"/>
-                  </a:lnTo>
-                  <a:lnTo>
-                    <a:pt x="123630" y="296005"/>
-                  </a:lnTo>
-                  <a:lnTo>
-                    <a:pt x="117428" y="325078"/>
-                  </a:lnTo>
-                  <a:lnTo>
-                    <a:pt x="117428" y="381294"/>
-                  </a:lnTo>
-                  <a:close/>
-                </a:path>
-                <a:path w="513715" h="513714">
-                  <a:moveTo>
-                    <a:pt x="381241" y="95320"/>
-                  </a:moveTo>
-                  <a:lnTo>
-                    <a:pt x="186925" y="95320"/>
-                  </a:lnTo>
-                  <a:lnTo>
-                    <a:pt x="196894" y="93311"/>
-                  </a:lnTo>
-                  <a:lnTo>
-                    <a:pt x="205054" y="87831"/>
-                  </a:lnTo>
-                  <a:lnTo>
-                    <a:pt x="210565" y="79698"/>
-                  </a:lnTo>
-                  <a:lnTo>
-                    <a:pt x="212589" y="69732"/>
-                  </a:lnTo>
-                  <a:lnTo>
-                    <a:pt x="210565" y="59722"/>
-                  </a:lnTo>
-                  <a:lnTo>
-                    <a:pt x="205054" y="51538"/>
-                  </a:lnTo>
-                  <a:lnTo>
-                    <a:pt x="196894" y="46017"/>
-                  </a:lnTo>
-                  <a:lnTo>
-                    <a:pt x="186925" y="43991"/>
-                  </a:lnTo>
-                  <a:lnTo>
-                    <a:pt x="375075" y="43991"/>
-                  </a:lnTo>
-                  <a:lnTo>
-                    <a:pt x="376276" y="45698"/>
-                  </a:lnTo>
-                  <a:lnTo>
-                    <a:pt x="381241" y="68973"/>
-                  </a:lnTo>
-                  <a:lnTo>
-                    <a:pt x="381241" y="95320"/>
-                  </a:lnTo>
-                  <a:close/>
-                </a:path>
-                <a:path w="513715" h="513714">
-                  <a:moveTo>
-                    <a:pt x="252945" y="513267"/>
-                  </a:moveTo>
-                  <a:lnTo>
-                    <a:pt x="193919" y="503970"/>
-                  </a:lnTo>
-                  <a:lnTo>
-                    <a:pt x="150634" y="481799"/>
-                  </a:lnTo>
-                  <a:lnTo>
-                    <a:pt x="131930" y="441929"/>
-                  </a:lnTo>
-                  <a:lnTo>
-                    <a:pt x="132050" y="325078"/>
-                  </a:lnTo>
-                  <a:lnTo>
-                    <a:pt x="136845" y="301852"/>
-                  </a:lnTo>
-                  <a:lnTo>
-                    <a:pt x="150204" y="282092"/>
-                  </a:lnTo>
-                  <a:lnTo>
-                    <a:pt x="169923" y="268604"/>
-                  </a:lnTo>
-                  <a:lnTo>
-                    <a:pt x="193919" y="263613"/>
-                  </a:lnTo>
-                  <a:lnTo>
-                    <a:pt x="317758" y="263613"/>
-                  </a:lnTo>
-                  <a:lnTo>
-                    <a:pt x="347268" y="257429"/>
-                  </a:lnTo>
-                  <a:lnTo>
-                    <a:pt x="371956" y="240672"/>
-                  </a:lnTo>
-                  <a:lnTo>
-                    <a:pt x="388908" y="216032"/>
-                  </a:lnTo>
-                  <a:lnTo>
-                    <a:pt x="395207" y="186200"/>
-                  </a:lnTo>
-                  <a:lnTo>
-                    <a:pt x="395207" y="131983"/>
-                  </a:lnTo>
-                  <a:lnTo>
-                    <a:pt x="441734" y="131983"/>
-                  </a:lnTo>
-                  <a:lnTo>
-                    <a:pt x="482921" y="149689"/>
-                  </a:lnTo>
-                  <a:lnTo>
-                    <a:pt x="503726" y="193887"/>
-                  </a:lnTo>
-                  <a:lnTo>
-                    <a:pt x="513228" y="259988"/>
-                  </a:lnTo>
-                  <a:lnTo>
-                    <a:pt x="510929" y="289354"/>
-                  </a:lnTo>
-                  <a:lnTo>
-                    <a:pt x="493822" y="343327"/>
-                  </a:lnTo>
-                  <a:lnTo>
-                    <a:pt x="464860" y="375435"/>
-                  </a:lnTo>
-                  <a:lnTo>
-                    <a:pt x="441734" y="379882"/>
-                  </a:lnTo>
-                  <a:lnTo>
-                    <a:pt x="255912" y="379882"/>
-                  </a:lnTo>
-                  <a:lnTo>
-                    <a:pt x="255912" y="395391"/>
-                  </a:lnTo>
-                  <a:lnTo>
-                    <a:pt x="379746" y="395391"/>
-                  </a:lnTo>
-                  <a:lnTo>
-                    <a:pt x="379746" y="417958"/>
-                  </a:lnTo>
-                  <a:lnTo>
-                    <a:pt x="311579" y="417958"/>
-                  </a:lnTo>
-                  <a:lnTo>
-                    <a:pt x="301609" y="419965"/>
-                  </a:lnTo>
-                  <a:lnTo>
-                    <a:pt x="293449" y="425443"/>
-                  </a:lnTo>
-                  <a:lnTo>
-                    <a:pt x="287939" y="433574"/>
-                  </a:lnTo>
-                  <a:lnTo>
-                    <a:pt x="285916" y="443539"/>
-                  </a:lnTo>
-                  <a:lnTo>
-                    <a:pt x="287939" y="453551"/>
-                  </a:lnTo>
-                  <a:lnTo>
-                    <a:pt x="293450" y="461736"/>
-                  </a:lnTo>
-                  <a:lnTo>
-                    <a:pt x="301610" y="467260"/>
-                  </a:lnTo>
-                  <a:lnTo>
-                    <a:pt x="311579" y="469286"/>
-                  </a:lnTo>
-                  <a:lnTo>
-                    <a:pt x="371227" y="469286"/>
-                  </a:lnTo>
-                  <a:lnTo>
-                    <a:pt x="360456" y="482826"/>
-                  </a:lnTo>
-                  <a:lnTo>
-                    <a:pt x="340610" y="495478"/>
-                  </a:lnTo>
-                  <a:lnTo>
-                    <a:pt x="317757" y="503970"/>
-                  </a:lnTo>
-                  <a:lnTo>
-                    <a:pt x="284115" y="511232"/>
-                  </a:lnTo>
-                  <a:lnTo>
-                    <a:pt x="252945" y="513267"/>
-                  </a:lnTo>
-                  <a:close/>
-                </a:path>
-                <a:path w="513715" h="513714">
-                  <a:moveTo>
-                    <a:pt x="371227" y="469286"/>
-                  </a:moveTo>
-                  <a:lnTo>
-                    <a:pt x="311579" y="469286"/>
-                  </a:lnTo>
-                  <a:lnTo>
-                    <a:pt x="321571" y="467260"/>
-                  </a:lnTo>
-                  <a:lnTo>
-                    <a:pt x="329729" y="461736"/>
-                  </a:lnTo>
-                  <a:lnTo>
-                    <a:pt x="335228" y="453551"/>
-                  </a:lnTo>
-                  <a:lnTo>
-                    <a:pt x="337245" y="443539"/>
-                  </a:lnTo>
-                  <a:lnTo>
-                    <a:pt x="335228" y="433574"/>
-                  </a:lnTo>
-                  <a:lnTo>
-                    <a:pt x="329729" y="425443"/>
-                  </a:lnTo>
-                  <a:lnTo>
-                    <a:pt x="321571" y="419965"/>
-                  </a:lnTo>
-                  <a:lnTo>
-                    <a:pt x="311579" y="417958"/>
-                  </a:lnTo>
-                  <a:lnTo>
-                    <a:pt x="379746" y="417958"/>
-                  </a:lnTo>
-                  <a:lnTo>
-                    <a:pt x="379746" y="441929"/>
-                  </a:lnTo>
-                  <a:lnTo>
-                    <a:pt x="374449" y="465235"/>
-                  </a:lnTo>
-                  <a:lnTo>
-                    <a:pt x="371227" y="469286"/>
-                  </a:lnTo>
-                  <a:close/>
-                </a:path>
-              </a:pathLst>
-            </a:custGeom>
-            <a:solidFill>
-              <a:srgbClr val="FFFFFF"/>
-            </a:solidFill>
-          </p:spPr>
-          <p:txBody>
-            <a:bodyPr wrap="square" lIns="0" tIns="0" rIns="0" bIns="0" rtlCol="0"/>
-            <a:lstStyle/>
-            <a:p>
-              <a:endParaRPr/>
-            </a:p>
-          </p:txBody>
-        </p:sp>
-      </p:grpSp>
       <p:sp>
         <p:nvSpPr>
           <p:cNvPr id="7" name="object 7"/>
